--- a/Cocogo_v2.pptx
+++ b/Cocogo_v2.pptx
@@ -368,7 +368,7 @@
           <a:p>
             <a:fld id="{9184DA70-C731-4C70-880D-CCD4705E623C}" type="datetime1">
               <a:rPr lang="en-US" smtClean="0"/>
-              <a:t>2/16/2020</a:t>
+              <a:t>2/16/20</a:t>
             </a:fld>
             <a:endParaRPr lang="en-US" dirty="0"/>
           </a:p>
@@ -556,7 +556,7 @@
           <a:p>
             <a:fld id="{B612A279-0833-481D-8C56-F67FD0AC6C50}" type="datetime1">
               <a:rPr lang="en-US" smtClean="0"/>
-              <a:t>2/16/2020</a:t>
+              <a:t>2/16/20</a:t>
             </a:fld>
             <a:endParaRPr lang="en-US" dirty="0"/>
           </a:p>
@@ -798,7 +798,7 @@
           <a:p>
             <a:fld id="{6587DA83-5663-4C9C-B9AA-0B40A3DAFF81}" type="datetime1">
               <a:rPr lang="en-US" smtClean="0"/>
-              <a:t>2/16/2020</a:t>
+              <a:t>2/16/20</a:t>
             </a:fld>
             <a:endParaRPr lang="en-US" dirty="0"/>
           </a:p>
@@ -986,7 +986,7 @@
           <a:p>
             <a:fld id="{4BE1D723-8F53-4F53-90B0-1982A396982E}" type="datetime1">
               <a:rPr lang="en-US" smtClean="0"/>
-              <a:t>2/16/2020</a:t>
+              <a:t>2/16/20</a:t>
             </a:fld>
             <a:endParaRPr lang="en-US" dirty="0"/>
           </a:p>
@@ -1359,7 +1359,7 @@
           <a:p>
             <a:fld id="{97669AF7-7BEB-44E4-9852-375E34362B5B}" type="datetime1">
               <a:rPr lang="en-US" smtClean="0"/>
-              <a:t>2/16/2020</a:t>
+              <a:t>2/16/20</a:t>
             </a:fld>
             <a:endParaRPr lang="en-US" dirty="0"/>
           </a:p>
@@ -1614,7 +1614,7 @@
           <a:p>
             <a:fld id="{BAAAC38D-0552-4C82-B593-E6124DFADBE2}" type="datetime1">
               <a:rPr lang="en-US" smtClean="0"/>
-              <a:t>2/16/2020</a:t>
+              <a:t>2/16/20</a:t>
             </a:fld>
             <a:endParaRPr lang="en-US" dirty="0"/>
           </a:p>
@@ -2011,7 +2011,7 @@
           <a:p>
             <a:fld id="{D9DF0F1C-5577-4ACB-BB62-DF8F3C494C7E}" type="datetime1">
               <a:rPr lang="en-US" smtClean="0"/>
-              <a:t>2/16/2020</a:t>
+              <a:t>2/16/20</a:t>
             </a:fld>
             <a:endParaRPr lang="en-US" dirty="0"/>
           </a:p>
@@ -2147,7 +2147,7 @@
           <a:p>
             <a:fld id="{1775B394-D9F9-4F0C-B15D-605F45CB9E9F}" type="datetime1">
               <a:rPr lang="en-US" smtClean="0"/>
-              <a:t>2/16/2020</a:t>
+              <a:t>2/16/20</a:t>
             </a:fld>
             <a:endParaRPr lang="en-US" dirty="0"/>
           </a:p>
@@ -2304,7 +2304,7 @@
           <a:p>
             <a:fld id="{39667345-2558-425A-8533-9BFDBCE15005}" type="datetime1">
               <a:rPr lang="en-US" smtClean="0"/>
-              <a:t>2/16/2020</a:t>
+              <a:t>2/16/20</a:t>
             </a:fld>
             <a:endParaRPr lang="en-US" dirty="0"/>
           </a:p>
@@ -2633,7 +2633,7 @@
           <a:p>
             <a:fld id="{92BEA474-078D-4E9B-9B14-09A87B19DC46}" type="datetime1">
               <a:rPr lang="en-US" smtClean="0"/>
-              <a:t>2/16/2020</a:t>
+              <a:t>2/16/20</a:t>
             </a:fld>
             <a:endParaRPr lang="en-US" dirty="0"/>
           </a:p>
@@ -2982,7 +2982,7 @@
           <a:p>
             <a:fld id="{4907D986-8816-4272-A432-0437A28A9828}" type="datetime1">
               <a:rPr lang="en-US" smtClean="0"/>
-              <a:t>2/16/2020</a:t>
+              <a:t>2/16/20</a:t>
             </a:fld>
             <a:endParaRPr lang="en-US" dirty="0"/>
           </a:p>
@@ -3243,7 +3243,7 @@
           <a:p>
             <a:fld id="{62D6E202-B606-4609-B914-27C9371A1F6D}" type="datetime1">
               <a:rPr lang="en-US" smtClean="0"/>
-              <a:t>2/16/2020</a:t>
+              <a:t>2/16/20</a:t>
             </a:fld>
             <a:endParaRPr lang="en-US" dirty="0"/>
           </a:p>
@@ -4553,14 +4553,58 @@
           </a:bodyPr>
           <a:lstStyle/>
           <a:p>
-            <a:pPr lvl="0"/>
+            <a:pPr lvl="0">
+              <a:lnSpc>
+                <a:spcPct val="100000"/>
+              </a:lnSpc>
+            </a:pPr>
             <a:r>
               <a:rPr lang="en-US" sz="4800" i="1" dirty="0">
                 <a:solidFill>
                   <a:srgbClr val="FFFFFF"/>
                 </a:solidFill>
               </a:rPr>
-              <a:t>Create an interactive dashboard for public health professionals to help them identify scarcity situations and take action.</a:t>
+              <a:t>Help </a:t>
+            </a:r>
+            <a:r>
+              <a:rPr lang="en-US" sz="4800" i="1" dirty="0">
+                <a:solidFill>
+                  <a:schemeClr val="tx1"/>
+                </a:solidFill>
+              </a:rPr>
+              <a:t>public health professionals </a:t>
+            </a:r>
+            <a:r>
+              <a:rPr lang="en-US" sz="4800" i="1" dirty="0">
+                <a:solidFill>
+                  <a:srgbClr val="FFFFFF"/>
+                </a:solidFill>
+              </a:rPr>
+              <a:t>to </a:t>
+            </a:r>
+            <a:r>
+              <a:rPr lang="en-US" sz="4800" i="1" dirty="0">
+                <a:solidFill>
+                  <a:schemeClr val="tx1"/>
+                </a:solidFill>
+              </a:rPr>
+              <a:t>identify scarcity </a:t>
+            </a:r>
+            <a:r>
+              <a:rPr lang="en-US" sz="4800" i="1" dirty="0">
+                <a:solidFill>
+                  <a:srgbClr val="FFFFFF"/>
+                </a:solidFill>
+              </a:rPr>
+              <a:t>situations and </a:t>
+            </a:r>
+            <a:r>
+              <a:rPr lang="en-US" sz="4800" i="1" dirty="0">
+                <a:solidFill>
+                  <a:schemeClr val="tx1"/>
+                </a:solidFill>
+              </a:rPr>
+              <a:t>act.</a:t>
             </a:r>
           </a:p>
         </p:txBody>
@@ -4744,7 +4788,7 @@
             </a:pPr>
             <a:r>
               <a:rPr lang="en-US" dirty="0"/>
-              <a:t>Analyze missing values and determine what fields could be dropped. </a:t>
+              <a:t>Analyzed missing values &gt; 5% , not removed for future improvement</a:t>
             </a:r>
           </a:p>
           <a:p>
@@ -4774,15 +4818,7 @@
             </a:pPr>
             <a:r>
               <a:rPr lang="en-US" dirty="0"/>
-              <a:t>Calculate </a:t>
-            </a:r>
-            <a:r>
-              <a:rPr lang="en-US" i="1" dirty="0"/>
-              <a:t>Scarcity Metric</a:t>
-            </a:r>
-            <a:r>
-              <a:rPr lang="en-US" dirty="0"/>
-              <a:t>.</a:t>
+              <a:t>Understand correlations.</a:t>
             </a:r>
           </a:p>
           <a:p>
@@ -5061,7 +5097,15 @@
             </a:pPr>
             <a:r>
               <a:rPr lang="en-US" i="1" dirty="0"/>
-              <a:t>Current Scarcity = 100 * (Real Score)/ Total max points * 100</a:t>
+              <a:t>Current Scarcity = </a:t>
+            </a:r>
+            <a:r>
+              <a:rPr lang="en-US" i="1"/>
+              <a:t>100 - </a:t>
+            </a:r>
+            <a:r>
+              <a:rPr lang="en-US" i="1" dirty="0"/>
+              <a:t>(Real Score)/ Total max points * 100</a:t>
             </a:r>
           </a:p>
           <a:p>
@@ -5069,21 +5113,61 @@
               <a:buFont typeface="+mj-lt"/>
               <a:buAutoNum type="arabicPeriod"/>
             </a:pPr>
+            <a:endParaRPr lang="en-US" i="1" dirty="0"/>
+          </a:p>
+          <a:p>
+            <a:pPr marL="457200" indent="-457200">
+              <a:buFont typeface="+mj-lt"/>
+              <a:buAutoNum type="arabicPeriod"/>
+            </a:pPr>
             <a:r>
               <a:rPr lang="en-US" i="1" dirty="0"/>
-              <a:t>New Scarcity = Current scarcity * bed factor</a:t>
+              <a:t>New Scarcity = Current scarcity </a:t>
+            </a:r>
+            <a:r>
+              <a:rPr lang="en-US" b="1" i="1" dirty="0">
+                <a:solidFill>
+                  <a:schemeClr val="tx1"/>
+                </a:solidFill>
+              </a:rPr>
+              <a:t>* bed factor</a:t>
             </a:r>
           </a:p>
           <a:p>
             <a:r>
               <a:rPr lang="en-US" dirty="0"/>
-              <a:t> * bed factor, determined by:</a:t>
-            </a:r>
-          </a:p>
-          <a:p>
+              <a:t> </a:t>
+            </a:r>
+          </a:p>
+          <a:p>
+            <a:pPr>
+              <a:lnSpc>
+                <a:spcPct val="150000"/>
+              </a:lnSpc>
+            </a:pPr>
+            <a:r>
+              <a:rPr lang="en-US" b="1" dirty="0">
+                <a:solidFill>
+                  <a:schemeClr val="tx1"/>
+                </a:solidFill>
+              </a:rPr>
+              <a:t>* bed factor</a:t>
+            </a:r>
+            <a:r>
+              <a:rPr lang="en-US" dirty="0"/>
+              <a:t>, determined by:</a:t>
+            </a:r>
+          </a:p>
+          <a:p>
+            <a:pPr marL="201168" lvl="1" indent="0">
+              <a:lnSpc>
+                <a:spcPct val="150000"/>
+              </a:lnSpc>
+              <a:buNone/>
+            </a:pPr>
             <a:r>
               <a:rPr lang="en-US" i="1" dirty="0"/>
-              <a:t>Bed factor = # of beds in hospital / # of beds in all hospitals</a:t>
+              <a:t>	Bed factor = # of beds in hospital / # of beds in all hospitals</a:t>
             </a:r>
           </a:p>
           <a:p>
@@ -5107,16 +5191,21 @@
         </p:nvSpPr>
         <p:spPr>
           <a:xfrm>
-            <a:off x="1097280" y="4702341"/>
-            <a:ext cx="7789268" cy="1352225"/>
+            <a:off x="8611565" y="2049478"/>
+            <a:ext cx="2696860" cy="2429924"/>
           </a:xfrm>
           <a:prstGeom prst="rect">
             <a:avLst/>
           </a:prstGeom>
+          <a:ln>
+            <a:solidFill>
+              <a:schemeClr val="tx1"/>
+            </a:solidFill>
+          </a:ln>
         </p:spPr>
         <p:txBody>
           <a:bodyPr vert="horz" lIns="0" tIns="45720" rIns="0" bIns="45720" rtlCol="0">
-            <a:normAutofit lnSpcReduction="10000"/>
+            <a:normAutofit/>
           </a:bodyPr>
           <a:lstStyle>
             <a:lvl1pPr marL="91440" indent="-91440" algn="l" defTabSz="914400" rtl="0" eaLnBrk="1" latinLnBrk="0" hangingPunct="1">
@@ -5357,31 +5446,31 @@
             </a:lvl9pPr>
           </a:lstStyle>
           <a:p>
-            <a:pPr marL="0" indent="0">
+            <a:pPr marL="0" indent="0" algn="ctr">
               <a:buNone/>
             </a:pPr>
             <a:r>
-              <a:rPr lang="en-US" dirty="0"/>
+              <a:rPr lang="en-US" b="1" dirty="0"/>
               <a:t>Strengths of new metric:</a:t>
             </a:r>
           </a:p>
           <a:p>
-            <a:pPr marL="457200" indent="-457200">
+            <a:pPr marL="457200" indent="-457200" algn="ctr">
               <a:buFont typeface="+mj-lt"/>
               <a:buAutoNum type="arabicPeriod"/>
             </a:pPr>
             <a:r>
-              <a:rPr lang="en-US" dirty="0"/>
+              <a:rPr lang="en-US" sz="1400" dirty="0"/>
               <a:t>Take hospital size in consideration.</a:t>
             </a:r>
           </a:p>
           <a:p>
-            <a:pPr marL="457200" indent="-457200">
+            <a:pPr marL="457200" indent="-457200" algn="ctr">
               <a:buFont typeface="+mj-lt"/>
               <a:buAutoNum type="arabicPeriod"/>
             </a:pPr>
             <a:r>
-              <a:rPr lang="en-US" dirty="0"/>
+              <a:rPr lang="en-US" sz="1400" dirty="0"/>
               <a:t>Can be aggregated to different levels, e.g. state.</a:t>
             </a:r>
           </a:p>
@@ -5684,12 +5773,9 @@
 </file>
 
 <file path=customXml/item1.xml><?xml version="1.0" encoding="utf-8"?>
-<?mso-contentType ?>
-<FormTemplates xmlns="http://schemas.microsoft.com/sharepoint/v3/contenttype/forms">
-  <Display>DocumentLibraryForm</Display>
-  <Edit>DocumentLibraryForm</Edit>
-  <New>DocumentLibraryForm</New>
-</FormTemplates>
+<p:properties xmlns:p="http://schemas.microsoft.com/office/2006/metadata/properties" xmlns:xsi="http://www.w3.org/2001/XMLSchema-instance" xmlns:pc="http://schemas.microsoft.com/office/infopath/2007/PartnerControls">
+  <documentManagement/>
+</p:properties>
 </file>
 
 <file path=customXml/item2.xml><?xml version="1.0" encoding="utf-8"?>
@@ -5916,15 +6002,27 @@
 </file>
 
 <file path=customXml/item3.xml><?xml version="1.0" encoding="utf-8"?>
-<p:properties xmlns:p="http://schemas.microsoft.com/office/2006/metadata/properties" xmlns:xsi="http://www.w3.org/2001/XMLSchema-instance" xmlns:pc="http://schemas.microsoft.com/office/infopath/2007/PartnerControls">
-  <documentManagement/>
-</p:properties>
+<?mso-contentType ?>
+<FormTemplates xmlns="http://schemas.microsoft.com/sharepoint/v3/contenttype/forms">
+  <Display>DocumentLibraryForm</Display>
+  <Edit>DocumentLibraryForm</Edit>
+  <New>DocumentLibraryForm</New>
+</FormTemplates>
 </file>
 
 <file path=customXml/itemProps1.xml><?xml version="1.0" encoding="utf-8"?>
-<ds:datastoreItem xmlns:ds="http://schemas.openxmlformats.org/officeDocument/2006/customXml" ds:itemID="{CBF3FF03-23E2-4D0D-9043-6CD9EE5FE481}">
+<ds:datastoreItem xmlns:ds="http://schemas.openxmlformats.org/officeDocument/2006/customXml" ds:itemID="{CD3F6EB3-3CBB-4D40-B3D5-992A9B88EDAF}">
   <ds:schemaRefs>
-    <ds:schemaRef ds:uri="http://schemas.microsoft.com/sharepoint/v3/contenttype/forms"/>
+    <ds:schemaRef ds:uri="http://schemas.openxmlformats.org/package/2006/metadata/core-properties"/>
+    <ds:schemaRef ds:uri="http://schemas.microsoft.com/office/2006/documentManagement/types"/>
+    <ds:schemaRef ds:uri="http://schemas.microsoft.com/office/infopath/2007/PartnerControls"/>
+    <ds:schemaRef ds:uri="http://purl.org/dc/elements/1.1/"/>
+    <ds:schemaRef ds:uri="http://schemas.microsoft.com/office/2006/metadata/properties"/>
+    <ds:schemaRef ds:uri="b29ddba3-edb9-4e36-a1e5-dc0223e9b760"/>
+    <ds:schemaRef ds:uri="http://purl.org/dc/terms/"/>
+    <ds:schemaRef ds:uri="039fe96f-188f-4a20-85ad-691cd7cc85a5"/>
+    <ds:schemaRef ds:uri="http://www.w3.org/XML/1998/namespace"/>
+    <ds:schemaRef ds:uri="http://purl.org/dc/dcmitype/"/>
   </ds:schemaRefs>
 </ds:datastoreItem>
 </file>
@@ -5949,18 +6047,9 @@
 </file>
 
 <file path=customXml/itemProps3.xml><?xml version="1.0" encoding="utf-8"?>
-<ds:datastoreItem xmlns:ds="http://schemas.openxmlformats.org/officeDocument/2006/customXml" ds:itemID="{CD3F6EB3-3CBB-4D40-B3D5-992A9B88EDAF}">
+<ds:datastoreItem xmlns:ds="http://schemas.openxmlformats.org/officeDocument/2006/customXml" ds:itemID="{CBF3FF03-23E2-4D0D-9043-6CD9EE5FE481}">
   <ds:schemaRefs>
-    <ds:schemaRef ds:uri="http://schemas.openxmlformats.org/package/2006/metadata/core-properties"/>
-    <ds:schemaRef ds:uri="http://schemas.microsoft.com/office/2006/documentManagement/types"/>
-    <ds:schemaRef ds:uri="http://schemas.microsoft.com/office/infopath/2007/PartnerControls"/>
-    <ds:schemaRef ds:uri="http://purl.org/dc/elements/1.1/"/>
-    <ds:schemaRef ds:uri="http://schemas.microsoft.com/office/2006/metadata/properties"/>
-    <ds:schemaRef ds:uri="b29ddba3-edb9-4e36-a1e5-dc0223e9b760"/>
-    <ds:schemaRef ds:uri="http://purl.org/dc/terms/"/>
-    <ds:schemaRef ds:uri="039fe96f-188f-4a20-85ad-691cd7cc85a5"/>
-    <ds:schemaRef ds:uri="http://www.w3.org/XML/1998/namespace"/>
-    <ds:schemaRef ds:uri="http://purl.org/dc/dcmitype/"/>
+    <ds:schemaRef ds:uri="http://schemas.microsoft.com/sharepoint/v3/contenttype/forms"/>
   </ds:schemaRefs>
 </ds:datastoreItem>
 </file>